--- a/18-data-visualization/Contenido Semana 2/5.3. Presentación - Gráfico de Pie.pptx
+++ b/18-data-visualization/Contenido Semana 2/5.3. Presentación - Gráfico de Pie.pptx
@@ -10357,7 +10357,7 @@
                 <a:cs typeface="Raleway"/>
                 <a:sym typeface="Raleway"/>
               </a:rPr>
-              <a:t>Lección 5.2. </a:t>
+              <a:t>Lección 5.3. </a:t>
             </a:r>
             <a:r>
               <a:rPr lang="es-VE" sz="2400" dirty="0">
@@ -10652,8 +10652,8 @@
         </p:nvSpPr>
         <p:spPr>
           <a:xfrm>
-            <a:off x="4350469" y="1592655"/>
-            <a:ext cx="4590856" cy="4093428"/>
+            <a:off x="2875176" y="1592655"/>
+            <a:ext cx="6066150" cy="3539430"/>
           </a:xfrm>
           <a:prstGeom prst="rect">
             <a:avLst/>
@@ -10681,6 +10681,27 @@
             </a:endParaRPr>
           </a:p>
           <a:p>
+            <a:pPr algn="just"/>
+            <a:r>
+              <a:rPr lang="es-VE" sz="1200" b="1" dirty="0">
+                <a:latin typeface="Raleway" panose="020B0604020202020204" charset="0"/>
+              </a:rPr>
+              <a:t>NOTA: </a:t>
+            </a:r>
+            <a:r>
+              <a:rPr lang="es-VE" sz="1200" dirty="0">
+                <a:latin typeface="Raleway" panose="020B0604020202020204" charset="0"/>
+              </a:rPr>
+              <a:t>Los gráficos de pie o torta siempre son redondos, sin embargo lograr ese efecto con pocas piezas de LEGO es imposible.  Así que seguiremos estos pasos para crear un aproximado del gráfico de pie, lo importante es entender el concepto de proporciones, más que la forma perfecta que luego será dada por el software.  </a:t>
+            </a:r>
+          </a:p>
+          <a:p>
+            <a:pPr algn="just"/>
+            <a:endParaRPr lang="es-VE" sz="1200" dirty="0">
+              <a:latin typeface="Raleway" panose="020B0604020202020204" charset="0"/>
+            </a:endParaRPr>
+          </a:p>
+          <a:p>
             <a:pPr marL="342900" indent="-342900" algn="just">
               <a:buAutoNum type="arabicPeriod"/>
             </a:pPr>
@@ -10688,96 +10709,40 @@
               <a:rPr lang="es-VE" sz="1200" dirty="0">
                 <a:latin typeface="Raleway" panose="020B0604020202020204" charset="0"/>
               </a:rPr>
-              <a:t>Coloca en la base la cantidad de piezas verdes que está para cada año. Recuerda que cada año representa una columna nueva de nuestro gráfico de columnas, así que debes colocarla a la derecha:</a:t>
+              <a:t>Comienza por la categoría que tiene menos colores, en este caso el rojo y haz una línea recta hacia arriba con estos 3 bloques.</a:t>
             </a:r>
           </a:p>
           <a:p>
-            <a:pPr marL="228600" indent="-228600" algn="just">
-              <a:buAutoNum type="alphaLcParenR"/>
+            <a:pPr marL="342900" indent="-342900" algn="just">
+              <a:buAutoNum type="arabicPeriod"/>
             </a:pPr>
             <a:r>
               <a:rPr lang="es-VE" sz="1200" dirty="0">
                 <a:latin typeface="Raleway" panose="020B0604020202020204" charset="0"/>
               </a:rPr>
-              <a:t>Comienza con una pieza  verde, </a:t>
+              <a:t>Sigue con la siguiente categoría con menos cantidad, que es la verde. Para aproximarnos a un círculo comienza a colocar las piezas a la derecha de las rojas como formando una escalera y ve completando hacia abajo, cómo lo muestra el diagrama. </a:t>
             </a:r>
           </a:p>
           <a:p>
-            <a:pPr marL="228600" indent="-228600" algn="just">
-              <a:buAutoNum type="alphaLcParenR"/>
+            <a:pPr marL="342900" indent="-342900" algn="just">
+              <a:buAutoNum type="arabicPeriod"/>
             </a:pPr>
             <a:r>
               <a:rPr lang="es-VE" sz="1200" dirty="0">
                 <a:latin typeface="Raleway" panose="020B0604020202020204" charset="0"/>
               </a:rPr>
-              <a:t>Coloca a su derecha otra pieza verde (correspondiente a 2013)</a:t>
+              <a:t>La siguiente categoría en frecuencia sería la azul. Para seguir tratando de simular el círculo, coloca la primera pieza debajo de la pieza roja y luego completa hacia abajo, tanto a la izquierda como a la derecha. </a:t>
             </a:r>
           </a:p>
           <a:p>
-            <a:pPr marL="228600" indent="-228600" algn="just">
-              <a:buAutoNum type="alphaLcParenR"/>
+            <a:pPr marL="342900" indent="-342900" algn="just">
+              <a:buAutoNum type="arabicPeriod"/>
             </a:pPr>
             <a:r>
               <a:rPr lang="es-VE" sz="1200" dirty="0">
                 <a:latin typeface="Raleway" panose="020B0604020202020204" charset="0"/>
               </a:rPr>
-              <a:t> Coloca una pieza verde a la derecha (correspondiente a 2014), </a:t>
-            </a:r>
-          </a:p>
-          <a:p>
-            <a:pPr marL="228600" indent="-228600" algn="just">
-              <a:buAutoNum type="alphaLcParenR"/>
-            </a:pPr>
-            <a:r>
-              <a:rPr lang="es-VE" sz="1200" dirty="0">
-                <a:latin typeface="Raleway" panose="020B0604020202020204" charset="0"/>
-              </a:rPr>
-              <a:t>Para representar el valor 2 coloca otra pieza verde hacia arriba de la última que colocaste. </a:t>
-            </a:r>
-          </a:p>
-          <a:p>
-            <a:pPr marL="342900" indent="-342900" algn="just">
-              <a:buFont typeface="+mj-lt"/>
-              <a:buAutoNum type="arabicPeriod" startAt="2"/>
-            </a:pPr>
-            <a:r>
-              <a:rPr lang="es-VE" sz="1200" dirty="0">
-                <a:latin typeface="Raleway" panose="020B0604020202020204" charset="0"/>
-              </a:rPr>
-              <a:t>Sigue colocando las piezas verdes usando la misma lógica hasta tener las 5 columnas listas.  </a:t>
-            </a:r>
-          </a:p>
-          <a:p>
-            <a:pPr marL="342900" indent="-342900" algn="just">
-              <a:buAutoNum type="arabicPeriod" startAt="2"/>
-            </a:pPr>
-            <a:r>
-              <a:rPr lang="es-VE" sz="1200" dirty="0">
-                <a:latin typeface="Raleway" panose="020B0604020202020204" charset="0"/>
-              </a:rPr>
-              <a:t>Luego coloca las piezas azules hacia arriba de las piezas verdes,. </a:t>
-            </a:r>
-          </a:p>
-          <a:p>
-            <a:pPr marL="342900" indent="-342900" algn="just">
-              <a:buAutoNum type="arabicPeriod" startAt="2"/>
-            </a:pPr>
-            <a:r>
-              <a:rPr lang="es-VE" sz="1200" dirty="0">
-                <a:latin typeface="Raleway" panose="020B0604020202020204" charset="0"/>
-              </a:rPr>
-              <a:t>Luego coloca las piezas amarillas hacia arriba de las piezas azules</a:t>
-            </a:r>
-          </a:p>
-          <a:p>
-            <a:pPr marL="342900" indent="-342900" algn="just">
-              <a:buAutoNum type="arabicPeriod" startAt="2"/>
-            </a:pPr>
-            <a:r>
-              <a:rPr lang="es-VE" sz="1200" dirty="0">
-                <a:latin typeface="Raleway" panose="020B0604020202020204" charset="0"/>
-              </a:rPr>
-              <a:t>Por último coloca las piezas rojas hacia arriba de las amarillas. </a:t>
+              <a:t>Por último colocamos las piezas amarillas, hacia la izquierda y arriba para cerrar la figura en algo que se asemeje lo más posible un círculo. </a:t>
             </a:r>
           </a:p>
         </p:txBody>
@@ -10791,13 +10756,15 @@
               </a:ext>
             </a:extLst>
           </p:cNvPr>
-          <p:cNvCxnSpPr/>
+          <p:cNvCxnSpPr>
+            <a:cxnSpLocks/>
+          </p:cNvCxnSpPr>
           <p:nvPr/>
         </p:nvCxnSpPr>
         <p:spPr>
           <a:xfrm flipV="1">
-            <a:off x="500439" y="4562573"/>
-            <a:ext cx="0" cy="1366887"/>
+            <a:off x="538773" y="3891532"/>
+            <a:ext cx="4905" cy="2674237"/>
           </a:xfrm>
           <a:prstGeom prst="straightConnector1">
             <a:avLst/>
@@ -10806,7 +10773,8 @@
             <a:solidFill>
               <a:srgbClr val="F7B617"/>
             </a:solidFill>
-            <a:tailEnd type="triangle"/>
+            <a:headEnd type="arrow" w="med" len="med"/>
+            <a:tailEnd type="arrow" w="med" len="med"/>
           </a:ln>
         </p:spPr>
         <p:style>
@@ -10838,7 +10806,7 @@
         </p:nvCxnSpPr>
         <p:spPr>
           <a:xfrm>
-            <a:off x="500439" y="5966045"/>
+            <a:off x="238846" y="5135940"/>
             <a:ext cx="2328421" cy="0"/>
           </a:xfrm>
           <a:prstGeom prst="straightConnector1">
@@ -10848,7 +10816,8 @@
             <a:solidFill>
               <a:srgbClr val="F7B617"/>
             </a:solidFill>
-            <a:tailEnd type="triangle"/>
+            <a:headEnd type="triangle" w="med" len="med"/>
+            <a:tailEnd type="triangle" w="med" len="med"/>
           </a:ln>
         </p:spPr>
         <p:style>
@@ -10880,8 +10849,8 @@
         </p:nvSpPr>
         <p:spPr>
           <a:xfrm flipH="1">
-            <a:off x="538773" y="6154903"/>
-            <a:ext cx="2818613" cy="307777"/>
+            <a:off x="1461157" y="6295226"/>
+            <a:ext cx="1239623" cy="523220"/>
           </a:xfrm>
           <a:prstGeom prst="rect">
             <a:avLst/>
@@ -10894,11 +10863,21 @@
           </a:bodyPr>
           <a:lstStyle/>
           <a:p>
+            <a:pPr algn="ctr"/>
             <a:r>
               <a:rPr lang="es-VE" dirty="0">
                 <a:latin typeface="Raleway" panose="020B0604020202020204" charset="0"/>
               </a:rPr>
-              <a:t>A la derecha – Nueva columna</a:t>
+              <a:t>A la </a:t>
+            </a:r>
+          </a:p>
+          <a:p>
+            <a:pPr algn="ctr"/>
+            <a:r>
+              <a:rPr lang="es-VE" dirty="0">
+                <a:latin typeface="Raleway" panose="020B0604020202020204" charset="0"/>
+              </a:rPr>
+              <a:t>derecha</a:t>
             </a:r>
             <a:endParaRPr lang="en-US" dirty="0">
               <a:latin typeface="Raleway" panose="020B0604020202020204" charset="0"/>
@@ -10920,8 +10899,8 @@
         </p:nvSpPr>
         <p:spPr>
           <a:xfrm rot="16200000" flipH="1">
-            <a:off x="-411321" y="5123465"/>
-            <a:ext cx="1256908" cy="307777"/>
+            <a:off x="-291253" y="4369664"/>
+            <a:ext cx="1141226" cy="523220"/>
           </a:xfrm>
           <a:prstGeom prst="rect">
             <a:avLst/>
@@ -10939,7 +10918,16 @@
               <a:rPr lang="es-VE" dirty="0">
                 <a:latin typeface="Raleway" panose="020B0604020202020204" charset="0"/>
               </a:rPr>
-              <a:t>Hacia Arriba</a:t>
+              <a:t>Hacia</a:t>
+            </a:r>
+          </a:p>
+          <a:p>
+            <a:pPr algn="ctr"/>
+            <a:r>
+              <a:rPr lang="es-VE" dirty="0">
+                <a:latin typeface="Raleway" panose="020B0604020202020204" charset="0"/>
+              </a:rPr>
+              <a:t> Arriba</a:t>
             </a:r>
             <a:endParaRPr lang="en-US" dirty="0">
               <a:latin typeface="Raleway" panose="020B0604020202020204" charset="0"/>
@@ -10961,12 +10949,15 @@
         </p:nvSpPr>
         <p:spPr>
           <a:xfrm>
-            <a:off x="534060" y="5650248"/>
+            <a:off x="1540689" y="4841489"/>
             <a:ext cx="282215" cy="273377"/>
           </a:xfrm>
           <a:prstGeom prst="rect">
             <a:avLst/>
           </a:prstGeom>
+          <a:solidFill>
+            <a:srgbClr val="FF0000"/>
+          </a:solidFill>
           <a:ln>
             <a:solidFill>
               <a:srgbClr val="2B2B2B"/>
@@ -11012,7 +11003,7 @@
         </p:nvSpPr>
         <p:spPr>
           <a:xfrm>
-            <a:off x="858328" y="5649127"/>
+            <a:off x="1834753" y="4565932"/>
             <a:ext cx="282215" cy="273377"/>
           </a:xfrm>
           <a:prstGeom prst="rect">
@@ -11063,7 +11054,7 @@
         </p:nvSpPr>
         <p:spPr>
           <a:xfrm>
-            <a:off x="1182791" y="5656083"/>
+            <a:off x="1824388" y="4843749"/>
             <a:ext cx="282215" cy="273377"/>
           </a:xfrm>
           <a:prstGeom prst="rect">
@@ -11114,7 +11105,7 @@
         </p:nvSpPr>
         <p:spPr>
           <a:xfrm>
-            <a:off x="1182791" y="5311077"/>
+            <a:off x="2125753" y="4843711"/>
             <a:ext cx="282215" cy="273377"/>
           </a:xfrm>
           <a:prstGeom prst="rect">
@@ -11153,10 +11144,10 @@
       </p:sp>
       <p:sp>
         <p:nvSpPr>
-          <p:cNvPr id="5" name="TextBox 4">
+          <p:cNvPr id="19" name="TextBox 18">
             <a:extLst>
               <a:ext uri="{FF2B5EF4-FFF2-40B4-BE49-F238E27FC236}">
-                <a16:creationId xmlns:a16="http://schemas.microsoft.com/office/drawing/2014/main" id="{8150AD98-50B9-4C5E-9BF2-F08D959C416D}"/>
+                <a16:creationId xmlns:a16="http://schemas.microsoft.com/office/drawing/2014/main" id="{DF41A57E-A988-4041-8239-11A319182C35}"/>
               </a:ext>
             </a:extLst>
           </p:cNvPr>
@@ -11165,8 +11156,8 @@
         </p:nvSpPr>
         <p:spPr>
           <a:xfrm>
-            <a:off x="500439" y="5649127"/>
-            <a:ext cx="537328" cy="307777"/>
+            <a:off x="2454163" y="4216178"/>
+            <a:ext cx="271598" cy="307777"/>
           </a:xfrm>
           <a:prstGeom prst="rect">
             <a:avLst/>
@@ -11183,125 +11174,11 @@
               <a:rPr lang="es-VE" dirty="0">
                 <a:latin typeface="Raleway" panose="020B0604020202020204" charset="0"/>
               </a:rPr>
-              <a:t>1a</a:t>
+              <a:t>2</a:t>
             </a:r>
             <a:endParaRPr lang="en-US" dirty="0">
               <a:latin typeface="Raleway" panose="020B0604020202020204" charset="0"/>
             </a:endParaRPr>
-          </a:p>
-        </p:txBody>
-      </p:sp>
-      <p:sp>
-        <p:nvSpPr>
-          <p:cNvPr id="19" name="TextBox 18">
-            <a:extLst>
-              <a:ext uri="{FF2B5EF4-FFF2-40B4-BE49-F238E27FC236}">
-                <a16:creationId xmlns:a16="http://schemas.microsoft.com/office/drawing/2014/main" id="{DF41A57E-A988-4041-8239-11A319182C35}"/>
-              </a:ext>
-            </a:extLst>
-          </p:cNvPr>
-          <p:cNvSpPr txBox="1"/>
-          <p:nvPr/>
-        </p:nvSpPr>
-        <p:spPr>
-          <a:xfrm>
-            <a:off x="816275" y="5649127"/>
-            <a:ext cx="537328" cy="307777"/>
-          </a:xfrm>
-          <a:prstGeom prst="rect">
-            <a:avLst/>
-          </a:prstGeom>
-          <a:noFill/>
-        </p:spPr>
-        <p:txBody>
-          <a:bodyPr wrap="square" rtlCol="0">
-            <a:spAutoFit/>
-          </a:bodyPr>
-          <a:lstStyle/>
-          <a:p>
-            <a:r>
-              <a:rPr lang="es-VE" dirty="0">
-                <a:latin typeface="Raleway" panose="020B0604020202020204" charset="0"/>
-              </a:rPr>
-              <a:t>1b</a:t>
-            </a:r>
-            <a:endParaRPr lang="en-US" dirty="0">
-              <a:latin typeface="Raleway" panose="020B0604020202020204" charset="0"/>
-            </a:endParaRPr>
-          </a:p>
-        </p:txBody>
-      </p:sp>
-      <p:sp>
-        <p:nvSpPr>
-          <p:cNvPr id="20" name="TextBox 19">
-            <a:extLst>
-              <a:ext uri="{FF2B5EF4-FFF2-40B4-BE49-F238E27FC236}">
-                <a16:creationId xmlns:a16="http://schemas.microsoft.com/office/drawing/2014/main" id="{1C0D0BA3-4CF8-4C2D-A94C-1193C073AAB3}"/>
-              </a:ext>
-            </a:extLst>
-          </p:cNvPr>
-          <p:cNvSpPr txBox="1"/>
-          <p:nvPr/>
-        </p:nvSpPr>
-        <p:spPr>
-          <a:xfrm>
-            <a:off x="1146249" y="5633047"/>
-            <a:ext cx="537328" cy="307777"/>
-          </a:xfrm>
-          <a:prstGeom prst="rect">
-            <a:avLst/>
-          </a:prstGeom>
-          <a:noFill/>
-        </p:spPr>
-        <p:txBody>
-          <a:bodyPr wrap="square" rtlCol="0">
-            <a:spAutoFit/>
-          </a:bodyPr>
-          <a:lstStyle/>
-          <a:p>
-            <a:r>
-              <a:rPr lang="es-VE" dirty="0">
-                <a:latin typeface="Raleway" panose="020B0604020202020204" charset="0"/>
-              </a:rPr>
-              <a:t>1c</a:t>
-            </a:r>
-          </a:p>
-        </p:txBody>
-      </p:sp>
-      <p:sp>
-        <p:nvSpPr>
-          <p:cNvPr id="21" name="TextBox 20">
-            <a:extLst>
-              <a:ext uri="{FF2B5EF4-FFF2-40B4-BE49-F238E27FC236}">
-                <a16:creationId xmlns:a16="http://schemas.microsoft.com/office/drawing/2014/main" id="{32DCADC9-F82B-43BD-AFE8-9014D98608F0}"/>
-              </a:ext>
-            </a:extLst>
-          </p:cNvPr>
-          <p:cNvSpPr txBox="1"/>
-          <p:nvPr/>
-        </p:nvSpPr>
-        <p:spPr>
-          <a:xfrm>
-            <a:off x="1156082" y="5312491"/>
-            <a:ext cx="537328" cy="307777"/>
-          </a:xfrm>
-          <a:prstGeom prst="rect">
-            <a:avLst/>
-          </a:prstGeom>
-          <a:noFill/>
-        </p:spPr>
-        <p:txBody>
-          <a:bodyPr wrap="square" rtlCol="0">
-            <a:spAutoFit/>
-          </a:bodyPr>
-          <a:lstStyle/>
-          <a:p>
-            <a:r>
-              <a:rPr lang="es-VE" dirty="0">
-                <a:latin typeface="Raleway" panose="020B0604020202020204" charset="0"/>
-              </a:rPr>
-              <a:t>1d</a:t>
-            </a:r>
           </a:p>
         </p:txBody>
       </p:sp>
@@ -11320,13 +11197,13 @@
           <p:nvPr>
             <p:extLst>
               <p:ext uri="{D42A27DB-BD31-4B8C-83A1-F6EECF244321}">
-                <p14:modId xmlns:p14="http://schemas.microsoft.com/office/powerpoint/2010/main" val="1408277708"/>
+                <p14:modId xmlns:p14="http://schemas.microsoft.com/office/powerpoint/2010/main" val="3617407716"/>
               </p:ext>
             </p:extLst>
           </p:nvPr>
         </p:nvGraphicFramePr>
         <p:xfrm>
-          <a:off x="744841" y="2136111"/>
+          <a:off x="744841" y="1952287"/>
           <a:ext cx="1658993" cy="1854200"/>
         </p:xfrm>
         <a:graphic>
@@ -12027,6 +11904,1500 @@
           </a:graphicData>
         </a:graphic>
       </p:graphicFrame>
+      <p:sp>
+        <p:nvSpPr>
+          <p:cNvPr id="23" name="Rectangle 22">
+            <a:extLst>
+              <a:ext uri="{FF2B5EF4-FFF2-40B4-BE49-F238E27FC236}">
+                <a16:creationId xmlns:a16="http://schemas.microsoft.com/office/drawing/2014/main" id="{5E596C45-5BB9-4C41-834D-09F4C3F48EBB}"/>
+              </a:ext>
+            </a:extLst>
+          </p:cNvPr>
+          <p:cNvSpPr/>
+          <p:nvPr/>
+        </p:nvSpPr>
+        <p:spPr>
+          <a:xfrm>
+            <a:off x="1540689" y="4277889"/>
+            <a:ext cx="282215" cy="273377"/>
+          </a:xfrm>
+          <a:prstGeom prst="rect">
+            <a:avLst/>
+          </a:prstGeom>
+          <a:solidFill>
+            <a:srgbClr val="FF0000"/>
+          </a:solidFill>
+          <a:ln>
+            <a:solidFill>
+              <a:srgbClr val="2B2B2B"/>
+            </a:solidFill>
+          </a:ln>
+        </p:spPr>
+        <p:style>
+          <a:lnRef idx="2">
+            <a:schemeClr val="accent3">
+              <a:shade val="50000"/>
+            </a:schemeClr>
+          </a:lnRef>
+          <a:fillRef idx="1">
+            <a:schemeClr val="accent3"/>
+          </a:fillRef>
+          <a:effectRef idx="0">
+            <a:schemeClr val="accent3"/>
+          </a:effectRef>
+          <a:fontRef idx="minor">
+            <a:schemeClr val="lt1"/>
+          </a:fontRef>
+        </p:style>
+        <p:txBody>
+          <a:bodyPr rtlCol="0" anchor="ctr"/>
+          <a:lstStyle/>
+          <a:p>
+            <a:pPr algn="ctr"/>
+            <a:endParaRPr lang="en-US"/>
+          </a:p>
+        </p:txBody>
+      </p:sp>
+      <p:sp>
+        <p:nvSpPr>
+          <p:cNvPr id="24" name="Rectangle 23">
+            <a:extLst>
+              <a:ext uri="{FF2B5EF4-FFF2-40B4-BE49-F238E27FC236}">
+                <a16:creationId xmlns:a16="http://schemas.microsoft.com/office/drawing/2014/main" id="{1AAA88AB-A152-4912-857D-6E08110C292E}"/>
+              </a:ext>
+            </a:extLst>
+          </p:cNvPr>
+          <p:cNvSpPr/>
+          <p:nvPr/>
+        </p:nvSpPr>
+        <p:spPr>
+          <a:xfrm>
+            <a:off x="1540689" y="4568627"/>
+            <a:ext cx="282215" cy="273377"/>
+          </a:xfrm>
+          <a:prstGeom prst="rect">
+            <a:avLst/>
+          </a:prstGeom>
+          <a:solidFill>
+            <a:srgbClr val="FF0000"/>
+          </a:solidFill>
+          <a:ln>
+            <a:solidFill>
+              <a:srgbClr val="2B2B2B"/>
+            </a:solidFill>
+          </a:ln>
+        </p:spPr>
+        <p:style>
+          <a:lnRef idx="2">
+            <a:schemeClr val="accent3">
+              <a:shade val="50000"/>
+            </a:schemeClr>
+          </a:lnRef>
+          <a:fillRef idx="1">
+            <a:schemeClr val="accent3"/>
+          </a:fillRef>
+          <a:effectRef idx="0">
+            <a:schemeClr val="accent3"/>
+          </a:effectRef>
+          <a:fontRef idx="minor">
+            <a:schemeClr val="lt1"/>
+          </a:fontRef>
+        </p:style>
+        <p:txBody>
+          <a:bodyPr rtlCol="0" anchor="ctr"/>
+          <a:lstStyle/>
+          <a:p>
+            <a:pPr algn="ctr"/>
+            <a:endParaRPr lang="en-US"/>
+          </a:p>
+        </p:txBody>
+      </p:sp>
+      <p:sp>
+        <p:nvSpPr>
+          <p:cNvPr id="20" name="TextBox 19">
+            <a:extLst>
+              <a:ext uri="{FF2B5EF4-FFF2-40B4-BE49-F238E27FC236}">
+                <a16:creationId xmlns:a16="http://schemas.microsoft.com/office/drawing/2014/main" id="{1C0D0BA3-4CF8-4C2D-A94C-1193C073AAB3}"/>
+              </a:ext>
+            </a:extLst>
+          </p:cNvPr>
+          <p:cNvSpPr txBox="1"/>
+          <p:nvPr/>
+        </p:nvSpPr>
+        <p:spPr>
+          <a:xfrm>
+            <a:off x="1403057" y="3906773"/>
+            <a:ext cx="261592" cy="307777"/>
+          </a:xfrm>
+          <a:prstGeom prst="rect">
+            <a:avLst/>
+          </a:prstGeom>
+          <a:noFill/>
+        </p:spPr>
+        <p:txBody>
+          <a:bodyPr wrap="square" rtlCol="0">
+            <a:spAutoFit/>
+          </a:bodyPr>
+          <a:lstStyle/>
+          <a:p>
+            <a:r>
+              <a:rPr lang="es-VE" dirty="0">
+                <a:latin typeface="Raleway" panose="020B0604020202020204" charset="0"/>
+              </a:rPr>
+              <a:t>1</a:t>
+            </a:r>
+          </a:p>
+        </p:txBody>
+      </p:sp>
+      <p:sp>
+        <p:nvSpPr>
+          <p:cNvPr id="3" name="Rectangle 2">
+            <a:extLst>
+              <a:ext uri="{FF2B5EF4-FFF2-40B4-BE49-F238E27FC236}">
+                <a16:creationId xmlns:a16="http://schemas.microsoft.com/office/drawing/2014/main" id="{E73A016D-3960-48F0-A9EC-8B16E4123376}"/>
+              </a:ext>
+            </a:extLst>
+          </p:cNvPr>
+          <p:cNvSpPr/>
+          <p:nvPr/>
+        </p:nvSpPr>
+        <p:spPr>
+          <a:xfrm>
+            <a:off x="1547693" y="4208743"/>
+            <a:ext cx="274657" cy="925590"/>
+          </a:xfrm>
+          <a:prstGeom prst="rect">
+            <a:avLst/>
+          </a:prstGeom>
+          <a:noFill/>
+          <a:ln>
+            <a:solidFill>
+              <a:schemeClr val="tx1"/>
+            </a:solidFill>
+            <a:prstDash val="sysDot"/>
+          </a:ln>
+        </p:spPr>
+        <p:style>
+          <a:lnRef idx="2">
+            <a:schemeClr val="accent1">
+              <a:shade val="50000"/>
+            </a:schemeClr>
+          </a:lnRef>
+          <a:fillRef idx="1">
+            <a:schemeClr val="accent1"/>
+          </a:fillRef>
+          <a:effectRef idx="0">
+            <a:schemeClr val="accent1"/>
+          </a:effectRef>
+          <a:fontRef idx="minor">
+            <a:schemeClr val="lt1"/>
+          </a:fontRef>
+        </p:style>
+        <p:txBody>
+          <a:bodyPr rtlCol="0" anchor="ctr"/>
+          <a:lstStyle/>
+          <a:p>
+            <a:pPr algn="ctr"/>
+            <a:endParaRPr lang="en-US"/>
+          </a:p>
+        </p:txBody>
+      </p:sp>
+      <p:sp>
+        <p:nvSpPr>
+          <p:cNvPr id="26" name="TextBox 25">
+            <a:extLst>
+              <a:ext uri="{FF2B5EF4-FFF2-40B4-BE49-F238E27FC236}">
+                <a16:creationId xmlns:a16="http://schemas.microsoft.com/office/drawing/2014/main" id="{FB769A4F-95C7-467E-945A-564D7B8698C3}"/>
+              </a:ext>
+            </a:extLst>
+          </p:cNvPr>
+          <p:cNvSpPr txBox="1"/>
+          <p:nvPr/>
+        </p:nvSpPr>
+        <p:spPr>
+          <a:xfrm flipH="1">
+            <a:off x="359667" y="6323710"/>
+            <a:ext cx="1239623" cy="523220"/>
+          </a:xfrm>
+          <a:prstGeom prst="rect">
+            <a:avLst/>
+          </a:prstGeom>
+          <a:noFill/>
+        </p:spPr>
+        <p:txBody>
+          <a:bodyPr wrap="square" rtlCol="0">
+            <a:spAutoFit/>
+          </a:bodyPr>
+          <a:lstStyle/>
+          <a:p>
+            <a:pPr algn="ctr"/>
+            <a:r>
+              <a:rPr lang="es-VE" dirty="0">
+                <a:latin typeface="Raleway" panose="020B0604020202020204" charset="0"/>
+              </a:rPr>
+              <a:t>A la izquierda</a:t>
+            </a:r>
+            <a:endParaRPr lang="en-US" dirty="0">
+              <a:latin typeface="Raleway" panose="020B0604020202020204" charset="0"/>
+            </a:endParaRPr>
+          </a:p>
+        </p:txBody>
+      </p:sp>
+      <p:sp>
+        <p:nvSpPr>
+          <p:cNvPr id="27" name="TextBox 26">
+            <a:extLst>
+              <a:ext uri="{FF2B5EF4-FFF2-40B4-BE49-F238E27FC236}">
+                <a16:creationId xmlns:a16="http://schemas.microsoft.com/office/drawing/2014/main" id="{59BAF13A-DF8E-4CAA-B596-5414653F65D2}"/>
+              </a:ext>
+            </a:extLst>
+          </p:cNvPr>
+          <p:cNvSpPr txBox="1"/>
+          <p:nvPr/>
+        </p:nvSpPr>
+        <p:spPr>
+          <a:xfrm rot="16200000" flipH="1">
+            <a:off x="-284801" y="5501189"/>
+            <a:ext cx="1141226" cy="523220"/>
+          </a:xfrm>
+          <a:prstGeom prst="rect">
+            <a:avLst/>
+          </a:prstGeom>
+          <a:noFill/>
+        </p:spPr>
+        <p:txBody>
+          <a:bodyPr wrap="square" rtlCol="0">
+            <a:spAutoFit/>
+          </a:bodyPr>
+          <a:lstStyle/>
+          <a:p>
+            <a:pPr algn="ctr"/>
+            <a:r>
+              <a:rPr lang="es-VE" dirty="0">
+                <a:latin typeface="Raleway" panose="020B0604020202020204" charset="0"/>
+              </a:rPr>
+              <a:t>Hacia</a:t>
+            </a:r>
+          </a:p>
+          <a:p>
+            <a:pPr algn="ctr"/>
+            <a:r>
+              <a:rPr lang="es-VE" dirty="0">
+                <a:latin typeface="Raleway" panose="020B0604020202020204" charset="0"/>
+              </a:rPr>
+              <a:t> Abajo</a:t>
+            </a:r>
+            <a:endParaRPr lang="en-US" dirty="0">
+              <a:latin typeface="Raleway" panose="020B0604020202020204" charset="0"/>
+            </a:endParaRPr>
+          </a:p>
+        </p:txBody>
+      </p:sp>
+      <p:sp>
+        <p:nvSpPr>
+          <p:cNvPr id="28" name="Rectangle 27">
+            <a:extLst>
+              <a:ext uri="{FF2B5EF4-FFF2-40B4-BE49-F238E27FC236}">
+                <a16:creationId xmlns:a16="http://schemas.microsoft.com/office/drawing/2014/main" id="{3C146151-1477-42B1-AC4E-C56E94CB48D2}"/>
+              </a:ext>
+            </a:extLst>
+          </p:cNvPr>
+          <p:cNvSpPr/>
+          <p:nvPr/>
+        </p:nvSpPr>
+        <p:spPr>
+          <a:xfrm>
+            <a:off x="1835389" y="5137549"/>
+            <a:ext cx="282215" cy="273377"/>
+          </a:xfrm>
+          <a:prstGeom prst="rect">
+            <a:avLst/>
+          </a:prstGeom>
+          <a:ln>
+            <a:solidFill>
+              <a:srgbClr val="2B2B2B"/>
+            </a:solidFill>
+          </a:ln>
+        </p:spPr>
+        <p:style>
+          <a:lnRef idx="2">
+            <a:schemeClr val="accent3">
+              <a:shade val="50000"/>
+            </a:schemeClr>
+          </a:lnRef>
+          <a:fillRef idx="1">
+            <a:schemeClr val="accent3"/>
+          </a:fillRef>
+          <a:effectRef idx="0">
+            <a:schemeClr val="accent3"/>
+          </a:effectRef>
+          <a:fontRef idx="minor">
+            <a:schemeClr val="lt1"/>
+          </a:fontRef>
+        </p:style>
+        <p:txBody>
+          <a:bodyPr rtlCol="0" anchor="ctr"/>
+          <a:lstStyle/>
+          <a:p>
+            <a:pPr algn="ctr"/>
+            <a:endParaRPr lang="en-US"/>
+          </a:p>
+        </p:txBody>
+      </p:sp>
+      <p:sp>
+        <p:nvSpPr>
+          <p:cNvPr id="29" name="Rectangle 28">
+            <a:extLst>
+              <a:ext uri="{FF2B5EF4-FFF2-40B4-BE49-F238E27FC236}">
+                <a16:creationId xmlns:a16="http://schemas.microsoft.com/office/drawing/2014/main" id="{075F8842-6432-4697-ACF4-8AF7B2D72698}"/>
+              </a:ext>
+            </a:extLst>
+          </p:cNvPr>
+          <p:cNvSpPr/>
+          <p:nvPr/>
+        </p:nvSpPr>
+        <p:spPr>
+          <a:xfrm>
+            <a:off x="2138615" y="5134408"/>
+            <a:ext cx="282215" cy="273377"/>
+          </a:xfrm>
+          <a:prstGeom prst="rect">
+            <a:avLst/>
+          </a:prstGeom>
+          <a:ln>
+            <a:solidFill>
+              <a:srgbClr val="2B2B2B"/>
+            </a:solidFill>
+          </a:ln>
+        </p:spPr>
+        <p:style>
+          <a:lnRef idx="2">
+            <a:schemeClr val="accent3">
+              <a:shade val="50000"/>
+            </a:schemeClr>
+          </a:lnRef>
+          <a:fillRef idx="1">
+            <a:schemeClr val="accent3"/>
+          </a:fillRef>
+          <a:effectRef idx="0">
+            <a:schemeClr val="accent3"/>
+          </a:effectRef>
+          <a:fontRef idx="minor">
+            <a:schemeClr val="lt1"/>
+          </a:fontRef>
+        </p:style>
+        <p:txBody>
+          <a:bodyPr rtlCol="0" anchor="ctr"/>
+          <a:lstStyle/>
+          <a:p>
+            <a:pPr algn="ctr"/>
+            <a:endParaRPr lang="en-US"/>
+          </a:p>
+        </p:txBody>
+      </p:sp>
+      <p:sp>
+        <p:nvSpPr>
+          <p:cNvPr id="30" name="Rectangle 29">
+            <a:extLst>
+              <a:ext uri="{FF2B5EF4-FFF2-40B4-BE49-F238E27FC236}">
+                <a16:creationId xmlns:a16="http://schemas.microsoft.com/office/drawing/2014/main" id="{51D7EF2C-4052-4611-93BB-010A7C3A987B}"/>
+              </a:ext>
+            </a:extLst>
+          </p:cNvPr>
+          <p:cNvSpPr/>
+          <p:nvPr/>
+        </p:nvSpPr>
+        <p:spPr>
+          <a:xfrm>
+            <a:off x="1801339" y="4510712"/>
+            <a:ext cx="663772" cy="914414"/>
+          </a:xfrm>
+          <a:prstGeom prst="rect">
+            <a:avLst/>
+          </a:prstGeom>
+          <a:noFill/>
+          <a:ln>
+            <a:solidFill>
+              <a:schemeClr val="tx1"/>
+            </a:solidFill>
+            <a:prstDash val="sysDot"/>
+          </a:ln>
+        </p:spPr>
+        <p:style>
+          <a:lnRef idx="2">
+            <a:schemeClr val="accent1">
+              <a:shade val="50000"/>
+            </a:schemeClr>
+          </a:lnRef>
+          <a:fillRef idx="1">
+            <a:schemeClr val="accent1"/>
+          </a:fillRef>
+          <a:effectRef idx="0">
+            <a:schemeClr val="accent1"/>
+          </a:effectRef>
+          <a:fontRef idx="minor">
+            <a:schemeClr val="lt1"/>
+          </a:fontRef>
+        </p:style>
+        <p:txBody>
+          <a:bodyPr rtlCol="0" anchor="ctr"/>
+          <a:lstStyle/>
+          <a:p>
+            <a:pPr algn="ctr"/>
+            <a:endParaRPr lang="en-US"/>
+          </a:p>
+        </p:txBody>
+      </p:sp>
+      <p:sp>
+        <p:nvSpPr>
+          <p:cNvPr id="31" name="Rectangle 30">
+            <a:extLst>
+              <a:ext uri="{FF2B5EF4-FFF2-40B4-BE49-F238E27FC236}">
+                <a16:creationId xmlns:a16="http://schemas.microsoft.com/office/drawing/2014/main" id="{F8BBC69A-38D9-4314-AE19-EAA7CCDD4D3E}"/>
+              </a:ext>
+            </a:extLst>
+          </p:cNvPr>
+          <p:cNvSpPr/>
+          <p:nvPr/>
+        </p:nvSpPr>
+        <p:spPr>
+          <a:xfrm>
+            <a:off x="1529155" y="5133818"/>
+            <a:ext cx="282215" cy="273377"/>
+          </a:xfrm>
+          <a:prstGeom prst="rect">
+            <a:avLst/>
+          </a:prstGeom>
+          <a:solidFill>
+            <a:srgbClr val="0070C0"/>
+          </a:solidFill>
+          <a:ln>
+            <a:solidFill>
+              <a:schemeClr val="tx1"/>
+            </a:solidFill>
+          </a:ln>
+        </p:spPr>
+        <p:style>
+          <a:lnRef idx="2">
+            <a:schemeClr val="accent3">
+              <a:shade val="50000"/>
+            </a:schemeClr>
+          </a:lnRef>
+          <a:fillRef idx="1">
+            <a:schemeClr val="accent3"/>
+          </a:fillRef>
+          <a:effectRef idx="0">
+            <a:schemeClr val="accent3"/>
+          </a:effectRef>
+          <a:fontRef idx="minor">
+            <a:schemeClr val="lt1"/>
+          </a:fontRef>
+        </p:style>
+        <p:txBody>
+          <a:bodyPr rtlCol="0" anchor="ctr"/>
+          <a:lstStyle/>
+          <a:p>
+            <a:pPr algn="ctr"/>
+            <a:endParaRPr lang="en-US"/>
+          </a:p>
+        </p:txBody>
+      </p:sp>
+      <p:sp>
+        <p:nvSpPr>
+          <p:cNvPr id="32" name="Rectangle 31">
+            <a:extLst>
+              <a:ext uri="{FF2B5EF4-FFF2-40B4-BE49-F238E27FC236}">
+                <a16:creationId xmlns:a16="http://schemas.microsoft.com/office/drawing/2014/main" id="{A7876640-9DEE-4606-8FC3-EF578F63887A}"/>
+              </a:ext>
+            </a:extLst>
+          </p:cNvPr>
+          <p:cNvSpPr/>
+          <p:nvPr/>
+        </p:nvSpPr>
+        <p:spPr>
+          <a:xfrm>
+            <a:off x="1530320" y="5427778"/>
+            <a:ext cx="282215" cy="273377"/>
+          </a:xfrm>
+          <a:prstGeom prst="rect">
+            <a:avLst/>
+          </a:prstGeom>
+          <a:solidFill>
+            <a:srgbClr val="0070C0"/>
+          </a:solidFill>
+          <a:ln>
+            <a:solidFill>
+              <a:schemeClr val="tx1"/>
+            </a:solidFill>
+          </a:ln>
+        </p:spPr>
+        <p:style>
+          <a:lnRef idx="2">
+            <a:schemeClr val="accent3">
+              <a:shade val="50000"/>
+            </a:schemeClr>
+          </a:lnRef>
+          <a:fillRef idx="1">
+            <a:schemeClr val="accent3"/>
+          </a:fillRef>
+          <a:effectRef idx="0">
+            <a:schemeClr val="accent3"/>
+          </a:effectRef>
+          <a:fontRef idx="minor">
+            <a:schemeClr val="lt1"/>
+          </a:fontRef>
+        </p:style>
+        <p:txBody>
+          <a:bodyPr rtlCol="0" anchor="ctr"/>
+          <a:lstStyle/>
+          <a:p>
+            <a:pPr algn="ctr"/>
+            <a:endParaRPr lang="en-US"/>
+          </a:p>
+        </p:txBody>
+      </p:sp>
+      <p:sp>
+        <p:nvSpPr>
+          <p:cNvPr id="33" name="Rectangle 32">
+            <a:extLst>
+              <a:ext uri="{FF2B5EF4-FFF2-40B4-BE49-F238E27FC236}">
+                <a16:creationId xmlns:a16="http://schemas.microsoft.com/office/drawing/2014/main" id="{938B999E-D7B9-4C96-99BA-37EEE4C462CE}"/>
+              </a:ext>
+            </a:extLst>
+          </p:cNvPr>
+          <p:cNvSpPr/>
+          <p:nvPr/>
+        </p:nvSpPr>
+        <p:spPr>
+          <a:xfrm>
+            <a:off x="759232" y="5425615"/>
+            <a:ext cx="1705879" cy="593565"/>
+          </a:xfrm>
+          <a:prstGeom prst="rect">
+            <a:avLst/>
+          </a:prstGeom>
+          <a:noFill/>
+          <a:ln>
+            <a:solidFill>
+              <a:schemeClr val="tx1"/>
+            </a:solidFill>
+            <a:prstDash val="sysDot"/>
+          </a:ln>
+        </p:spPr>
+        <p:style>
+          <a:lnRef idx="2">
+            <a:schemeClr val="accent1">
+              <a:shade val="50000"/>
+            </a:schemeClr>
+          </a:lnRef>
+          <a:fillRef idx="1">
+            <a:schemeClr val="accent1"/>
+          </a:fillRef>
+          <a:effectRef idx="0">
+            <a:schemeClr val="accent1"/>
+          </a:effectRef>
+          <a:fontRef idx="minor">
+            <a:schemeClr val="lt1"/>
+          </a:fontRef>
+        </p:style>
+        <p:txBody>
+          <a:bodyPr rtlCol="0" anchor="ctr"/>
+          <a:lstStyle/>
+          <a:p>
+            <a:pPr algn="ctr"/>
+            <a:endParaRPr lang="en-US"/>
+          </a:p>
+        </p:txBody>
+      </p:sp>
+      <p:sp>
+        <p:nvSpPr>
+          <p:cNvPr id="34" name="TextBox 33">
+            <a:extLst>
+              <a:ext uri="{FF2B5EF4-FFF2-40B4-BE49-F238E27FC236}">
+                <a16:creationId xmlns:a16="http://schemas.microsoft.com/office/drawing/2014/main" id="{D61AE6C8-2296-47AC-A2C5-CEF3F75426EF}"/>
+              </a:ext>
+            </a:extLst>
+          </p:cNvPr>
+          <p:cNvSpPr txBox="1"/>
+          <p:nvPr/>
+        </p:nvSpPr>
+        <p:spPr>
+          <a:xfrm>
+            <a:off x="2528978" y="5777480"/>
+            <a:ext cx="271598" cy="307777"/>
+          </a:xfrm>
+          <a:prstGeom prst="rect">
+            <a:avLst/>
+          </a:prstGeom>
+          <a:noFill/>
+        </p:spPr>
+        <p:txBody>
+          <a:bodyPr wrap="square" rtlCol="0">
+            <a:spAutoFit/>
+          </a:bodyPr>
+          <a:lstStyle/>
+          <a:p>
+            <a:r>
+              <a:rPr lang="es-VE" dirty="0">
+                <a:latin typeface="Raleway" panose="020B0604020202020204" charset="0"/>
+              </a:rPr>
+              <a:t>3</a:t>
+            </a:r>
+            <a:endParaRPr lang="en-US" dirty="0">
+              <a:latin typeface="Raleway" panose="020B0604020202020204" charset="0"/>
+            </a:endParaRPr>
+          </a:p>
+        </p:txBody>
+      </p:sp>
+      <p:sp>
+        <p:nvSpPr>
+          <p:cNvPr id="35" name="Rectangle 34">
+            <a:extLst>
+              <a:ext uri="{FF2B5EF4-FFF2-40B4-BE49-F238E27FC236}">
+                <a16:creationId xmlns:a16="http://schemas.microsoft.com/office/drawing/2014/main" id="{0EDDA181-E0E7-4422-AFA0-8D978721CDBE}"/>
+              </a:ext>
+            </a:extLst>
+          </p:cNvPr>
+          <p:cNvSpPr/>
+          <p:nvPr/>
+        </p:nvSpPr>
+        <p:spPr>
+          <a:xfrm>
+            <a:off x="622544" y="4214550"/>
+            <a:ext cx="878018" cy="1209457"/>
+          </a:xfrm>
+          <a:prstGeom prst="rect">
+            <a:avLst/>
+          </a:prstGeom>
+          <a:noFill/>
+          <a:ln>
+            <a:solidFill>
+              <a:schemeClr val="tx1"/>
+            </a:solidFill>
+            <a:prstDash val="sysDot"/>
+          </a:ln>
+        </p:spPr>
+        <p:style>
+          <a:lnRef idx="2">
+            <a:schemeClr val="accent1">
+              <a:shade val="50000"/>
+            </a:schemeClr>
+          </a:lnRef>
+          <a:fillRef idx="1">
+            <a:schemeClr val="accent1"/>
+          </a:fillRef>
+          <a:effectRef idx="0">
+            <a:schemeClr val="accent1"/>
+          </a:effectRef>
+          <a:fontRef idx="minor">
+            <a:schemeClr val="lt1"/>
+          </a:fontRef>
+        </p:style>
+        <p:txBody>
+          <a:bodyPr rtlCol="0" anchor="ctr"/>
+          <a:lstStyle/>
+          <a:p>
+            <a:pPr algn="ctr"/>
+            <a:endParaRPr lang="en-US"/>
+          </a:p>
+        </p:txBody>
+      </p:sp>
+      <p:sp>
+        <p:nvSpPr>
+          <p:cNvPr id="36" name="TextBox 35">
+            <a:extLst>
+              <a:ext uri="{FF2B5EF4-FFF2-40B4-BE49-F238E27FC236}">
+                <a16:creationId xmlns:a16="http://schemas.microsoft.com/office/drawing/2014/main" id="{2B8D95EA-207A-4CE3-83E6-86F90C16ECA3}"/>
+              </a:ext>
+            </a:extLst>
+          </p:cNvPr>
+          <p:cNvSpPr txBox="1"/>
+          <p:nvPr/>
+        </p:nvSpPr>
+        <p:spPr>
+          <a:xfrm>
+            <a:off x="816127" y="3888860"/>
+            <a:ext cx="271598" cy="307777"/>
+          </a:xfrm>
+          <a:prstGeom prst="rect">
+            <a:avLst/>
+          </a:prstGeom>
+          <a:noFill/>
+        </p:spPr>
+        <p:txBody>
+          <a:bodyPr wrap="square" rtlCol="0">
+            <a:spAutoFit/>
+          </a:bodyPr>
+          <a:lstStyle/>
+          <a:p>
+            <a:r>
+              <a:rPr lang="es-VE" dirty="0">
+                <a:latin typeface="Raleway" panose="020B0604020202020204" charset="0"/>
+              </a:rPr>
+              <a:t>4</a:t>
+            </a:r>
+            <a:endParaRPr lang="en-US" dirty="0">
+              <a:latin typeface="Raleway" panose="020B0604020202020204" charset="0"/>
+            </a:endParaRPr>
+          </a:p>
+        </p:txBody>
+      </p:sp>
+      <p:sp>
+        <p:nvSpPr>
+          <p:cNvPr id="37" name="Rectangle 36">
+            <a:extLst>
+              <a:ext uri="{FF2B5EF4-FFF2-40B4-BE49-F238E27FC236}">
+                <a16:creationId xmlns:a16="http://schemas.microsoft.com/office/drawing/2014/main" id="{5A154F41-FF7A-4E31-B82C-CDA8E1F9AE71}"/>
+              </a:ext>
+            </a:extLst>
+          </p:cNvPr>
+          <p:cNvSpPr/>
+          <p:nvPr/>
+        </p:nvSpPr>
+        <p:spPr>
+          <a:xfrm>
+            <a:off x="1229050" y="4293460"/>
+            <a:ext cx="282215" cy="273377"/>
+          </a:xfrm>
+          <a:prstGeom prst="rect">
+            <a:avLst/>
+          </a:prstGeom>
+          <a:solidFill>
+            <a:srgbClr val="FFFF00"/>
+          </a:solidFill>
+          <a:ln>
+            <a:solidFill>
+              <a:schemeClr val="tx1"/>
+            </a:solidFill>
+          </a:ln>
+        </p:spPr>
+        <p:style>
+          <a:lnRef idx="2">
+            <a:schemeClr val="accent3">
+              <a:shade val="50000"/>
+            </a:schemeClr>
+          </a:lnRef>
+          <a:fillRef idx="1">
+            <a:schemeClr val="accent3"/>
+          </a:fillRef>
+          <a:effectRef idx="0">
+            <a:schemeClr val="accent3"/>
+          </a:effectRef>
+          <a:fontRef idx="minor">
+            <a:schemeClr val="lt1"/>
+          </a:fontRef>
+        </p:style>
+        <p:txBody>
+          <a:bodyPr rtlCol="0" anchor="ctr"/>
+          <a:lstStyle/>
+          <a:p>
+            <a:pPr algn="ctr"/>
+            <a:endParaRPr lang="en-US"/>
+          </a:p>
+        </p:txBody>
+      </p:sp>
+      <p:sp>
+        <p:nvSpPr>
+          <p:cNvPr id="38" name="Rectangle 37">
+            <a:extLst>
+              <a:ext uri="{FF2B5EF4-FFF2-40B4-BE49-F238E27FC236}">
+                <a16:creationId xmlns:a16="http://schemas.microsoft.com/office/drawing/2014/main" id="{C6C8F65A-069E-41E9-B309-29BD098D39EA}"/>
+              </a:ext>
+            </a:extLst>
+          </p:cNvPr>
+          <p:cNvSpPr/>
+          <p:nvPr/>
+        </p:nvSpPr>
+        <p:spPr>
+          <a:xfrm>
+            <a:off x="1225912" y="4549553"/>
+            <a:ext cx="282215" cy="273377"/>
+          </a:xfrm>
+          <a:prstGeom prst="rect">
+            <a:avLst/>
+          </a:prstGeom>
+          <a:solidFill>
+            <a:srgbClr val="FFFF00"/>
+          </a:solidFill>
+          <a:ln>
+            <a:solidFill>
+              <a:schemeClr val="tx1"/>
+            </a:solidFill>
+          </a:ln>
+        </p:spPr>
+        <p:style>
+          <a:lnRef idx="2">
+            <a:schemeClr val="accent3">
+              <a:shade val="50000"/>
+            </a:schemeClr>
+          </a:lnRef>
+          <a:fillRef idx="1">
+            <a:schemeClr val="accent3"/>
+          </a:fillRef>
+          <a:effectRef idx="0">
+            <a:schemeClr val="accent3"/>
+          </a:effectRef>
+          <a:fontRef idx="minor">
+            <a:schemeClr val="lt1"/>
+          </a:fontRef>
+        </p:style>
+        <p:txBody>
+          <a:bodyPr rtlCol="0" anchor="ctr"/>
+          <a:lstStyle/>
+          <a:p>
+            <a:pPr algn="ctr"/>
+            <a:endParaRPr lang="en-US"/>
+          </a:p>
+        </p:txBody>
+      </p:sp>
+      <p:sp>
+        <p:nvSpPr>
+          <p:cNvPr id="39" name="Rectangle 38">
+            <a:extLst>
+              <a:ext uri="{FF2B5EF4-FFF2-40B4-BE49-F238E27FC236}">
+                <a16:creationId xmlns:a16="http://schemas.microsoft.com/office/drawing/2014/main" id="{B1B7A35B-4F38-4811-B14F-F3F2B8D1961D}"/>
+              </a:ext>
+            </a:extLst>
+          </p:cNvPr>
+          <p:cNvSpPr/>
+          <p:nvPr/>
+        </p:nvSpPr>
+        <p:spPr>
+          <a:xfrm>
+            <a:off x="949392" y="4546415"/>
+            <a:ext cx="282215" cy="273377"/>
+          </a:xfrm>
+          <a:prstGeom prst="rect">
+            <a:avLst/>
+          </a:prstGeom>
+          <a:solidFill>
+            <a:srgbClr val="FFFF00"/>
+          </a:solidFill>
+          <a:ln>
+            <a:solidFill>
+              <a:schemeClr val="tx1"/>
+            </a:solidFill>
+          </a:ln>
+        </p:spPr>
+        <p:style>
+          <a:lnRef idx="2">
+            <a:schemeClr val="accent3">
+              <a:shade val="50000"/>
+            </a:schemeClr>
+          </a:lnRef>
+          <a:fillRef idx="1">
+            <a:schemeClr val="accent3"/>
+          </a:fillRef>
+          <a:effectRef idx="0">
+            <a:schemeClr val="accent3"/>
+          </a:effectRef>
+          <a:fontRef idx="minor">
+            <a:schemeClr val="lt1"/>
+          </a:fontRef>
+        </p:style>
+        <p:txBody>
+          <a:bodyPr rtlCol="0" anchor="ctr"/>
+          <a:lstStyle/>
+          <a:p>
+            <a:pPr algn="ctr"/>
+            <a:endParaRPr lang="en-US"/>
+          </a:p>
+        </p:txBody>
+      </p:sp>
+      <p:sp>
+        <p:nvSpPr>
+          <p:cNvPr id="40" name="Rectangle 39">
+            <a:extLst>
+              <a:ext uri="{FF2B5EF4-FFF2-40B4-BE49-F238E27FC236}">
+                <a16:creationId xmlns:a16="http://schemas.microsoft.com/office/drawing/2014/main" id="{B17EFCA7-B3CC-40CF-8122-42E8AA96658B}"/>
+              </a:ext>
+            </a:extLst>
+          </p:cNvPr>
+          <p:cNvSpPr/>
+          <p:nvPr/>
+        </p:nvSpPr>
+        <p:spPr>
+          <a:xfrm>
+            <a:off x="1224337" y="4826076"/>
+            <a:ext cx="282215" cy="273377"/>
+          </a:xfrm>
+          <a:prstGeom prst="rect">
+            <a:avLst/>
+          </a:prstGeom>
+          <a:solidFill>
+            <a:srgbClr val="FFFF00"/>
+          </a:solidFill>
+          <a:ln>
+            <a:solidFill>
+              <a:schemeClr val="tx1"/>
+            </a:solidFill>
+          </a:ln>
+        </p:spPr>
+        <p:style>
+          <a:lnRef idx="2">
+            <a:schemeClr val="accent3">
+              <a:shade val="50000"/>
+            </a:schemeClr>
+          </a:lnRef>
+          <a:fillRef idx="1">
+            <a:schemeClr val="accent3"/>
+          </a:fillRef>
+          <a:effectRef idx="0">
+            <a:schemeClr val="accent3"/>
+          </a:effectRef>
+          <a:fontRef idx="minor">
+            <a:schemeClr val="lt1"/>
+          </a:fontRef>
+        </p:style>
+        <p:txBody>
+          <a:bodyPr rtlCol="0" anchor="ctr"/>
+          <a:lstStyle/>
+          <a:p>
+            <a:pPr algn="ctr"/>
+            <a:endParaRPr lang="en-US"/>
+          </a:p>
+        </p:txBody>
+      </p:sp>
+      <p:sp>
+        <p:nvSpPr>
+          <p:cNvPr id="41" name="Rectangle 40">
+            <a:extLst>
+              <a:ext uri="{FF2B5EF4-FFF2-40B4-BE49-F238E27FC236}">
+                <a16:creationId xmlns:a16="http://schemas.microsoft.com/office/drawing/2014/main" id="{70C71562-6E0D-4B08-8CDA-CB2A4142376E}"/>
+              </a:ext>
+            </a:extLst>
+          </p:cNvPr>
+          <p:cNvSpPr/>
+          <p:nvPr/>
+        </p:nvSpPr>
+        <p:spPr>
+          <a:xfrm>
+            <a:off x="1829391" y="5430134"/>
+            <a:ext cx="282215" cy="273377"/>
+          </a:xfrm>
+          <a:prstGeom prst="rect">
+            <a:avLst/>
+          </a:prstGeom>
+          <a:solidFill>
+            <a:srgbClr val="0070C0"/>
+          </a:solidFill>
+          <a:ln>
+            <a:solidFill>
+              <a:schemeClr val="tx1"/>
+            </a:solidFill>
+          </a:ln>
+        </p:spPr>
+        <p:style>
+          <a:lnRef idx="2">
+            <a:schemeClr val="accent3">
+              <a:shade val="50000"/>
+            </a:schemeClr>
+          </a:lnRef>
+          <a:fillRef idx="1">
+            <a:schemeClr val="accent3"/>
+          </a:fillRef>
+          <a:effectRef idx="0">
+            <a:schemeClr val="accent3"/>
+          </a:effectRef>
+          <a:fontRef idx="minor">
+            <a:schemeClr val="lt1"/>
+          </a:fontRef>
+        </p:style>
+        <p:txBody>
+          <a:bodyPr rtlCol="0" anchor="ctr"/>
+          <a:lstStyle/>
+          <a:p>
+            <a:pPr algn="ctr"/>
+            <a:endParaRPr lang="en-US"/>
+          </a:p>
+        </p:txBody>
+      </p:sp>
+      <p:sp>
+        <p:nvSpPr>
+          <p:cNvPr id="42" name="Rectangle 41">
+            <a:extLst>
+              <a:ext uri="{FF2B5EF4-FFF2-40B4-BE49-F238E27FC236}">
+                <a16:creationId xmlns:a16="http://schemas.microsoft.com/office/drawing/2014/main" id="{27E1D8A4-35C8-4F46-808C-73A2BE9035C8}"/>
+              </a:ext>
+            </a:extLst>
+          </p:cNvPr>
+          <p:cNvSpPr/>
+          <p:nvPr/>
+        </p:nvSpPr>
+        <p:spPr>
+          <a:xfrm>
+            <a:off x="1534015" y="5705078"/>
+            <a:ext cx="282215" cy="273377"/>
+          </a:xfrm>
+          <a:prstGeom prst="rect">
+            <a:avLst/>
+          </a:prstGeom>
+          <a:solidFill>
+            <a:srgbClr val="0070C0"/>
+          </a:solidFill>
+          <a:ln>
+            <a:solidFill>
+              <a:schemeClr val="tx1"/>
+            </a:solidFill>
+          </a:ln>
+        </p:spPr>
+        <p:style>
+          <a:lnRef idx="2">
+            <a:schemeClr val="accent3">
+              <a:shade val="50000"/>
+            </a:schemeClr>
+          </a:lnRef>
+          <a:fillRef idx="1">
+            <a:schemeClr val="accent3"/>
+          </a:fillRef>
+          <a:effectRef idx="0">
+            <a:schemeClr val="accent3"/>
+          </a:effectRef>
+          <a:fontRef idx="minor">
+            <a:schemeClr val="lt1"/>
+          </a:fontRef>
+        </p:style>
+        <p:txBody>
+          <a:bodyPr rtlCol="0" anchor="ctr"/>
+          <a:lstStyle/>
+          <a:p>
+            <a:pPr algn="ctr"/>
+            <a:endParaRPr lang="en-US"/>
+          </a:p>
+        </p:txBody>
+      </p:sp>
+      <p:sp>
+        <p:nvSpPr>
+          <p:cNvPr id="43" name="Rectangle 42">
+            <a:extLst>
+              <a:ext uri="{FF2B5EF4-FFF2-40B4-BE49-F238E27FC236}">
+                <a16:creationId xmlns:a16="http://schemas.microsoft.com/office/drawing/2014/main" id="{73396254-69E8-40F3-9975-97C9E6089913}"/>
+              </a:ext>
+            </a:extLst>
+          </p:cNvPr>
+          <p:cNvSpPr/>
+          <p:nvPr/>
+        </p:nvSpPr>
+        <p:spPr>
+          <a:xfrm>
+            <a:off x="1229218" y="5697224"/>
+            <a:ext cx="282215" cy="273377"/>
+          </a:xfrm>
+          <a:prstGeom prst="rect">
+            <a:avLst/>
+          </a:prstGeom>
+          <a:solidFill>
+            <a:srgbClr val="0070C0"/>
+          </a:solidFill>
+          <a:ln>
+            <a:solidFill>
+              <a:schemeClr val="tx1"/>
+            </a:solidFill>
+          </a:ln>
+        </p:spPr>
+        <p:style>
+          <a:lnRef idx="2">
+            <a:schemeClr val="accent3">
+              <a:shade val="50000"/>
+            </a:schemeClr>
+          </a:lnRef>
+          <a:fillRef idx="1">
+            <a:schemeClr val="accent3"/>
+          </a:fillRef>
+          <a:effectRef idx="0">
+            <a:schemeClr val="accent3"/>
+          </a:effectRef>
+          <a:fontRef idx="minor">
+            <a:schemeClr val="lt1"/>
+          </a:fontRef>
+        </p:style>
+        <p:txBody>
+          <a:bodyPr rtlCol="0" anchor="ctr"/>
+          <a:lstStyle/>
+          <a:p>
+            <a:pPr algn="ctr"/>
+            <a:endParaRPr lang="en-US"/>
+          </a:p>
+        </p:txBody>
+      </p:sp>
+      <p:sp>
+        <p:nvSpPr>
+          <p:cNvPr id="44" name="Rectangle 43">
+            <a:extLst>
+              <a:ext uri="{FF2B5EF4-FFF2-40B4-BE49-F238E27FC236}">
+                <a16:creationId xmlns:a16="http://schemas.microsoft.com/office/drawing/2014/main" id="{04BE7BA5-B004-4602-9F3B-CA46CAEA6AD4}"/>
+              </a:ext>
+            </a:extLst>
+          </p:cNvPr>
+          <p:cNvSpPr/>
+          <p:nvPr/>
+        </p:nvSpPr>
+        <p:spPr>
+          <a:xfrm>
+            <a:off x="1240214" y="5420711"/>
+            <a:ext cx="282215" cy="273377"/>
+          </a:xfrm>
+          <a:prstGeom prst="rect">
+            <a:avLst/>
+          </a:prstGeom>
+          <a:solidFill>
+            <a:srgbClr val="0070C0"/>
+          </a:solidFill>
+          <a:ln>
+            <a:solidFill>
+              <a:schemeClr val="tx1"/>
+            </a:solidFill>
+          </a:ln>
+        </p:spPr>
+        <p:style>
+          <a:lnRef idx="2">
+            <a:schemeClr val="accent3">
+              <a:shade val="50000"/>
+            </a:schemeClr>
+          </a:lnRef>
+          <a:fillRef idx="1">
+            <a:schemeClr val="accent3"/>
+          </a:fillRef>
+          <a:effectRef idx="0">
+            <a:schemeClr val="accent3"/>
+          </a:effectRef>
+          <a:fontRef idx="minor">
+            <a:schemeClr val="lt1"/>
+          </a:fontRef>
+        </p:style>
+        <p:txBody>
+          <a:bodyPr rtlCol="0" anchor="ctr"/>
+          <a:lstStyle/>
+          <a:p>
+            <a:pPr algn="ctr"/>
+            <a:endParaRPr lang="en-US"/>
+          </a:p>
+        </p:txBody>
+      </p:sp>
+      <p:sp>
+        <p:nvSpPr>
+          <p:cNvPr id="45" name="Rectangle 44">
+            <a:extLst>
+              <a:ext uri="{FF2B5EF4-FFF2-40B4-BE49-F238E27FC236}">
+                <a16:creationId xmlns:a16="http://schemas.microsoft.com/office/drawing/2014/main" id="{8BFB4814-6207-481F-9729-7B5ADEA75203}"/>
+              </a:ext>
+            </a:extLst>
+          </p:cNvPr>
+          <p:cNvSpPr/>
+          <p:nvPr/>
+        </p:nvSpPr>
+        <p:spPr>
+          <a:xfrm>
+            <a:off x="940126" y="5426994"/>
+            <a:ext cx="282215" cy="273377"/>
+          </a:xfrm>
+          <a:prstGeom prst="rect">
+            <a:avLst/>
+          </a:prstGeom>
+          <a:solidFill>
+            <a:srgbClr val="0070C0"/>
+          </a:solidFill>
+          <a:ln>
+            <a:solidFill>
+              <a:schemeClr val="tx1"/>
+            </a:solidFill>
+          </a:ln>
+        </p:spPr>
+        <p:style>
+          <a:lnRef idx="2">
+            <a:schemeClr val="accent3">
+              <a:shade val="50000"/>
+            </a:schemeClr>
+          </a:lnRef>
+          <a:fillRef idx="1">
+            <a:schemeClr val="accent3"/>
+          </a:fillRef>
+          <a:effectRef idx="0">
+            <a:schemeClr val="accent3"/>
+          </a:effectRef>
+          <a:fontRef idx="minor">
+            <a:schemeClr val="lt1"/>
+          </a:fontRef>
+        </p:style>
+        <p:txBody>
+          <a:bodyPr rtlCol="0" anchor="ctr"/>
+          <a:lstStyle/>
+          <a:p>
+            <a:pPr algn="ctr"/>
+            <a:endParaRPr lang="en-US"/>
+          </a:p>
+        </p:txBody>
+      </p:sp>
+      <p:sp>
+        <p:nvSpPr>
+          <p:cNvPr id="46" name="Rectangle 45">
+            <a:extLst>
+              <a:ext uri="{FF2B5EF4-FFF2-40B4-BE49-F238E27FC236}">
+                <a16:creationId xmlns:a16="http://schemas.microsoft.com/office/drawing/2014/main" id="{8DD66666-A9B9-46B7-8911-24A59D289B52}"/>
+              </a:ext>
+            </a:extLst>
+          </p:cNvPr>
+          <p:cNvSpPr/>
+          <p:nvPr/>
+        </p:nvSpPr>
+        <p:spPr>
+          <a:xfrm>
+            <a:off x="1225910" y="5119873"/>
+            <a:ext cx="282215" cy="273377"/>
+          </a:xfrm>
+          <a:prstGeom prst="rect">
+            <a:avLst/>
+          </a:prstGeom>
+          <a:solidFill>
+            <a:srgbClr val="FFFF00"/>
+          </a:solidFill>
+          <a:ln>
+            <a:solidFill>
+              <a:schemeClr val="tx1"/>
+            </a:solidFill>
+          </a:ln>
+        </p:spPr>
+        <p:style>
+          <a:lnRef idx="2">
+            <a:schemeClr val="accent3">
+              <a:shade val="50000"/>
+            </a:schemeClr>
+          </a:lnRef>
+          <a:fillRef idx="1">
+            <a:schemeClr val="accent3"/>
+          </a:fillRef>
+          <a:effectRef idx="0">
+            <a:schemeClr val="accent3"/>
+          </a:effectRef>
+          <a:fontRef idx="minor">
+            <a:schemeClr val="lt1"/>
+          </a:fontRef>
+        </p:style>
+        <p:txBody>
+          <a:bodyPr rtlCol="0" anchor="ctr"/>
+          <a:lstStyle/>
+          <a:p>
+            <a:pPr algn="ctr"/>
+            <a:endParaRPr lang="en-US"/>
+          </a:p>
+        </p:txBody>
+      </p:sp>
+      <p:sp>
+        <p:nvSpPr>
+          <p:cNvPr id="47" name="Rectangle 46">
+            <a:extLst>
+              <a:ext uri="{FF2B5EF4-FFF2-40B4-BE49-F238E27FC236}">
+                <a16:creationId xmlns:a16="http://schemas.microsoft.com/office/drawing/2014/main" id="{5C7C4DC4-226C-4243-91AA-31B12B61AF6D}"/>
+              </a:ext>
+            </a:extLst>
+          </p:cNvPr>
+          <p:cNvSpPr/>
+          <p:nvPr/>
+        </p:nvSpPr>
+        <p:spPr>
+          <a:xfrm>
+            <a:off x="946249" y="4830791"/>
+            <a:ext cx="282215" cy="273377"/>
+          </a:xfrm>
+          <a:prstGeom prst="rect">
+            <a:avLst/>
+          </a:prstGeom>
+          <a:solidFill>
+            <a:srgbClr val="FFFF00"/>
+          </a:solidFill>
+          <a:ln>
+            <a:solidFill>
+              <a:schemeClr val="tx1"/>
+            </a:solidFill>
+          </a:ln>
+        </p:spPr>
+        <p:style>
+          <a:lnRef idx="2">
+            <a:schemeClr val="accent3">
+              <a:shade val="50000"/>
+            </a:schemeClr>
+          </a:lnRef>
+          <a:fillRef idx="1">
+            <a:schemeClr val="accent3"/>
+          </a:fillRef>
+          <a:effectRef idx="0">
+            <a:schemeClr val="accent3"/>
+          </a:effectRef>
+          <a:fontRef idx="minor">
+            <a:schemeClr val="lt1"/>
+          </a:fontRef>
+        </p:style>
+        <p:txBody>
+          <a:bodyPr rtlCol="0" anchor="ctr"/>
+          <a:lstStyle/>
+          <a:p>
+            <a:pPr algn="ctr"/>
+            <a:endParaRPr lang="en-US"/>
+          </a:p>
+        </p:txBody>
+      </p:sp>
+      <p:sp>
+        <p:nvSpPr>
+          <p:cNvPr id="48" name="Rectangle 47">
+            <a:extLst>
+              <a:ext uri="{FF2B5EF4-FFF2-40B4-BE49-F238E27FC236}">
+                <a16:creationId xmlns:a16="http://schemas.microsoft.com/office/drawing/2014/main" id="{93FF7E7B-6C7F-47A2-85EA-1FB872621E98}"/>
+              </a:ext>
+            </a:extLst>
+          </p:cNvPr>
+          <p:cNvSpPr/>
+          <p:nvPr/>
+        </p:nvSpPr>
+        <p:spPr>
+          <a:xfrm>
+            <a:off x="938392" y="5119875"/>
+            <a:ext cx="282215" cy="273377"/>
+          </a:xfrm>
+          <a:prstGeom prst="rect">
+            <a:avLst/>
+          </a:prstGeom>
+          <a:solidFill>
+            <a:srgbClr val="FFFF00"/>
+          </a:solidFill>
+          <a:ln>
+            <a:solidFill>
+              <a:schemeClr val="tx1"/>
+            </a:solidFill>
+          </a:ln>
+        </p:spPr>
+        <p:style>
+          <a:lnRef idx="2">
+            <a:schemeClr val="accent3">
+              <a:shade val="50000"/>
+            </a:schemeClr>
+          </a:lnRef>
+          <a:fillRef idx="1">
+            <a:schemeClr val="accent3"/>
+          </a:fillRef>
+          <a:effectRef idx="0">
+            <a:schemeClr val="accent3"/>
+          </a:effectRef>
+          <a:fontRef idx="minor">
+            <a:schemeClr val="lt1"/>
+          </a:fontRef>
+        </p:style>
+        <p:txBody>
+          <a:bodyPr rtlCol="0" anchor="ctr"/>
+          <a:lstStyle/>
+          <a:p>
+            <a:pPr algn="ctr"/>
+            <a:endParaRPr lang="en-US"/>
+          </a:p>
+        </p:txBody>
+      </p:sp>
+      <p:sp>
+        <p:nvSpPr>
+          <p:cNvPr id="49" name="Rectangle 48">
+            <a:extLst>
+              <a:ext uri="{FF2B5EF4-FFF2-40B4-BE49-F238E27FC236}">
+                <a16:creationId xmlns:a16="http://schemas.microsoft.com/office/drawing/2014/main" id="{5EE0937D-49ED-417B-A2AC-B155384469F6}"/>
+              </a:ext>
+            </a:extLst>
+          </p:cNvPr>
+          <p:cNvSpPr/>
+          <p:nvPr/>
+        </p:nvSpPr>
+        <p:spPr>
+          <a:xfrm>
+            <a:off x="649304" y="4835502"/>
+            <a:ext cx="282215" cy="273377"/>
+          </a:xfrm>
+          <a:prstGeom prst="rect">
+            <a:avLst/>
+          </a:prstGeom>
+          <a:solidFill>
+            <a:srgbClr val="FFFF00"/>
+          </a:solidFill>
+          <a:ln>
+            <a:solidFill>
+              <a:schemeClr val="tx1"/>
+            </a:solidFill>
+          </a:ln>
+        </p:spPr>
+        <p:style>
+          <a:lnRef idx="2">
+            <a:schemeClr val="accent3">
+              <a:shade val="50000"/>
+            </a:schemeClr>
+          </a:lnRef>
+          <a:fillRef idx="1">
+            <a:schemeClr val="accent3"/>
+          </a:fillRef>
+          <a:effectRef idx="0">
+            <a:schemeClr val="accent3"/>
+          </a:effectRef>
+          <a:fontRef idx="minor">
+            <a:schemeClr val="lt1"/>
+          </a:fontRef>
+        </p:style>
+        <p:txBody>
+          <a:bodyPr rtlCol="0" anchor="ctr"/>
+          <a:lstStyle/>
+          <a:p>
+            <a:pPr algn="ctr"/>
+            <a:endParaRPr lang="en-US"/>
+          </a:p>
+        </p:txBody>
+      </p:sp>
+      <p:sp>
+        <p:nvSpPr>
+          <p:cNvPr id="50" name="Rectangle 49">
+            <a:extLst>
+              <a:ext uri="{FF2B5EF4-FFF2-40B4-BE49-F238E27FC236}">
+                <a16:creationId xmlns:a16="http://schemas.microsoft.com/office/drawing/2014/main" id="{3E5DB91F-B6A3-4071-BF32-6C44060E9299}"/>
+              </a:ext>
+            </a:extLst>
+          </p:cNvPr>
+          <p:cNvSpPr/>
+          <p:nvPr/>
+        </p:nvSpPr>
+        <p:spPr>
+          <a:xfrm>
+            <a:off x="646164" y="5110446"/>
+            <a:ext cx="282215" cy="273377"/>
+          </a:xfrm>
+          <a:prstGeom prst="rect">
+            <a:avLst/>
+          </a:prstGeom>
+          <a:solidFill>
+            <a:srgbClr val="FFFF00"/>
+          </a:solidFill>
+          <a:ln>
+            <a:solidFill>
+              <a:schemeClr val="tx1"/>
+            </a:solidFill>
+          </a:ln>
+        </p:spPr>
+        <p:style>
+          <a:lnRef idx="2">
+            <a:schemeClr val="accent3">
+              <a:shade val="50000"/>
+            </a:schemeClr>
+          </a:lnRef>
+          <a:fillRef idx="1">
+            <a:schemeClr val="accent3"/>
+          </a:fillRef>
+          <a:effectRef idx="0">
+            <a:schemeClr val="accent3"/>
+          </a:effectRef>
+          <a:fontRef idx="minor">
+            <a:schemeClr val="lt1"/>
+          </a:fontRef>
+        </p:style>
+        <p:txBody>
+          <a:bodyPr rtlCol="0" anchor="ctr"/>
+          <a:lstStyle/>
+          <a:p>
+            <a:pPr algn="ctr"/>
+            <a:endParaRPr lang="en-US"/>
+          </a:p>
+        </p:txBody>
+      </p:sp>
     </p:spTree>
     <p:extLst>
       <p:ext uri="{BB962C8B-B14F-4D97-AF65-F5344CB8AC3E}">
@@ -12266,53 +13637,6 @@
           <a:chExt cx="0" cy="0"/>
         </a:xfrm>
       </p:grpSpPr>
-      <p:sp>
-        <p:nvSpPr>
-          <p:cNvPr id="393" name="Shape 393"/>
-          <p:cNvSpPr txBox="1">
-            <a:spLocks noGrp="1"/>
-          </p:cNvSpPr>
-          <p:nvPr>
-            <p:ph type="body" idx="1"/>
-          </p:nvPr>
-        </p:nvSpPr>
-        <p:spPr>
-          <a:xfrm>
-            <a:off x="457200" y="1628481"/>
-            <a:ext cx="8229600" cy="4526100"/>
-          </a:xfrm>
-          <a:prstGeom prst="rect">
-            <a:avLst/>
-          </a:prstGeom>
-          <a:noFill/>
-          <a:ln>
-            <a:noFill/>
-          </a:ln>
-        </p:spPr>
-        <p:txBody>
-          <a:bodyPr lIns="91425" tIns="45700" rIns="91425" bIns="45700" anchor="t" anchorCtr="0">
-            <a:noAutofit/>
-          </a:bodyPr>
-          <a:lstStyle/>
-          <a:p>
-            <a:pPr marL="0" marR="0" lvl="0" indent="0" algn="l" rtl="0">
-              <a:lnSpc>
-                <a:spcPct val="90000"/>
-              </a:lnSpc>
-              <a:spcBef>
-                <a:spcPts val="0"/>
-              </a:spcBef>
-              <a:buClr>
-                <a:schemeClr val="dk1"/>
-              </a:buClr>
-              <a:buSzPct val="25000"/>
-              <a:buFont typeface="Arial"/>
-              <a:buNone/>
-            </a:pPr>
-            <a:endParaRPr lang="es-VE" sz="1850" dirty="0"/>
-          </a:p>
-        </p:txBody>
-      </p:sp>
       <p:sp>
         <p:nvSpPr>
           <p:cNvPr id="394" name="Shape 394"/>
